--- a/Various Bayesian Probability Stuff.pptx
+++ b/Various Bayesian Probability Stuff.pptx
@@ -7,6 +7,8 @@
   <p:sldIdLst>
     <p:sldId id="256" r:id="rId2"/>
     <p:sldId id="257" r:id="rId3"/>
+    <p:sldId id="258" r:id="rId4"/>
+    <p:sldId id="259" r:id="rId5"/>
   </p:sldIdLst>
   <p:sldSz cx="12192000" cy="6858000"/>
   <p:notesSz cx="6858000" cy="9144000"/>
@@ -3939,6 +3941,11 @@
             <a:off x="1013498" y="4471179"/>
             <a:ext cx="10165004" cy="1774346"/>
           </a:xfrm>
+          <a:ln>
+            <a:solidFill>
+              <a:schemeClr val="tx1"/>
+            </a:solidFill>
+          </a:ln>
         </p:spPr>
       </p:pic>
       <p:sp>
@@ -3957,6 +3964,324 @@
           <a:prstGeom prst="rect">
             <a:avLst/>
           </a:prstGeom>
+        </p:spPr>
+        <p:txBody>
+          <a:bodyPr vert="horz" lIns="91440" tIns="45720" rIns="91440" bIns="45720" rtlCol="0" anchor="t">
+            <a:normAutofit fontScale="70000" lnSpcReduction="20000"/>
+          </a:bodyPr>
+          <a:lstStyle>
+            <a:lvl1pPr marL="285750" indent="-285750" algn="l" defTabSz="457200" rtl="0" eaLnBrk="1" latinLnBrk="0" hangingPunct="1">
+              <a:spcBef>
+                <a:spcPct val="20000"/>
+              </a:spcBef>
+              <a:spcAft>
+                <a:spcPts val="600"/>
+              </a:spcAft>
+              <a:buClr>
+                <a:schemeClr val="accent1"/>
+              </a:buClr>
+              <a:buSzPct val="115000"/>
+              <a:buFont typeface="Arial"/>
+              <a:buChar char="•"/>
+              <a:defRPr sz="2400" kern="1200" cap="none">
+                <a:solidFill>
+                  <a:schemeClr val="tx1">
+                    <a:lumMod val="85000"/>
+                    <a:lumOff val="15000"/>
+                  </a:schemeClr>
+                </a:solidFill>
+                <a:effectLst/>
+                <a:latin typeface="+mn-lt"/>
+                <a:ea typeface="+mn-ea"/>
+                <a:cs typeface="+mn-cs"/>
+              </a:defRPr>
+            </a:lvl1pPr>
+            <a:lvl2pPr marL="742950" indent="-285750" algn="l" defTabSz="457200" rtl="0" eaLnBrk="1" latinLnBrk="0" hangingPunct="1">
+              <a:spcBef>
+                <a:spcPct val="20000"/>
+              </a:spcBef>
+              <a:spcAft>
+                <a:spcPts val="600"/>
+              </a:spcAft>
+              <a:buClr>
+                <a:schemeClr val="accent1"/>
+              </a:buClr>
+              <a:buSzPct val="115000"/>
+              <a:buFont typeface="Arial"/>
+              <a:buChar char="•"/>
+              <a:defRPr sz="2000" kern="1200" cap="none">
+                <a:solidFill>
+                  <a:schemeClr val="tx1">
+                    <a:lumMod val="85000"/>
+                    <a:lumOff val="15000"/>
+                  </a:schemeClr>
+                </a:solidFill>
+                <a:effectLst/>
+                <a:latin typeface="+mn-lt"/>
+                <a:ea typeface="+mn-ea"/>
+                <a:cs typeface="+mn-cs"/>
+              </a:defRPr>
+            </a:lvl2pPr>
+            <a:lvl3pPr marL="1200150" indent="-285750" algn="l" defTabSz="457200" rtl="0" eaLnBrk="1" latinLnBrk="0" hangingPunct="1">
+              <a:spcBef>
+                <a:spcPct val="20000"/>
+              </a:spcBef>
+              <a:spcAft>
+                <a:spcPts val="600"/>
+              </a:spcAft>
+              <a:buClr>
+                <a:schemeClr val="accent1"/>
+              </a:buClr>
+              <a:buSzPct val="115000"/>
+              <a:buFont typeface="Arial"/>
+              <a:buChar char="•"/>
+              <a:defRPr sz="1800" kern="1200" cap="none">
+                <a:solidFill>
+                  <a:schemeClr val="tx1">
+                    <a:lumMod val="85000"/>
+                    <a:lumOff val="15000"/>
+                  </a:schemeClr>
+                </a:solidFill>
+                <a:effectLst/>
+                <a:latin typeface="+mn-lt"/>
+                <a:ea typeface="+mn-ea"/>
+                <a:cs typeface="+mn-cs"/>
+              </a:defRPr>
+            </a:lvl3pPr>
+            <a:lvl4pPr marL="1543050" indent="-171450" algn="l" defTabSz="457200" rtl="0" eaLnBrk="1" latinLnBrk="0" hangingPunct="1">
+              <a:spcBef>
+                <a:spcPct val="20000"/>
+              </a:spcBef>
+              <a:spcAft>
+                <a:spcPts val="600"/>
+              </a:spcAft>
+              <a:buClr>
+                <a:schemeClr val="accent1"/>
+              </a:buClr>
+              <a:buSzPct val="115000"/>
+              <a:buFont typeface="Arial"/>
+              <a:buChar char="•"/>
+              <a:defRPr sz="1600" kern="1200" cap="none">
+                <a:solidFill>
+                  <a:schemeClr val="tx1">
+                    <a:lumMod val="85000"/>
+                    <a:lumOff val="15000"/>
+                  </a:schemeClr>
+                </a:solidFill>
+                <a:effectLst/>
+                <a:latin typeface="+mn-lt"/>
+                <a:ea typeface="+mn-ea"/>
+                <a:cs typeface="+mn-cs"/>
+              </a:defRPr>
+            </a:lvl4pPr>
+            <a:lvl5pPr marL="2000250" indent="-171450" algn="l" defTabSz="457200" rtl="0" eaLnBrk="1" latinLnBrk="0" hangingPunct="1">
+              <a:spcBef>
+                <a:spcPct val="20000"/>
+              </a:spcBef>
+              <a:spcAft>
+                <a:spcPts val="600"/>
+              </a:spcAft>
+              <a:buClr>
+                <a:schemeClr val="accent1"/>
+              </a:buClr>
+              <a:buSzPct val="115000"/>
+              <a:buFont typeface="Arial"/>
+              <a:buChar char="•"/>
+              <a:defRPr sz="1400" kern="1200" cap="none">
+                <a:solidFill>
+                  <a:schemeClr val="tx1">
+                    <a:lumMod val="85000"/>
+                    <a:lumOff val="15000"/>
+                  </a:schemeClr>
+                </a:solidFill>
+                <a:effectLst/>
+                <a:latin typeface="+mn-lt"/>
+                <a:ea typeface="+mn-ea"/>
+                <a:cs typeface="+mn-cs"/>
+              </a:defRPr>
+            </a:lvl5pPr>
+            <a:lvl6pPr marL="2514600" indent="-228600" algn="l" defTabSz="457200" rtl="0" eaLnBrk="1" latinLnBrk="0" hangingPunct="1">
+              <a:spcBef>
+                <a:spcPct val="20000"/>
+              </a:spcBef>
+              <a:spcAft>
+                <a:spcPts val="600"/>
+              </a:spcAft>
+              <a:buClr>
+                <a:schemeClr val="accent1"/>
+              </a:buClr>
+              <a:buSzPct val="115000"/>
+              <a:buFont typeface="Arial"/>
+              <a:buChar char="•"/>
+              <a:defRPr sz="1400" kern="1200" cap="none">
+                <a:solidFill>
+                  <a:schemeClr val="tx1">
+                    <a:lumMod val="85000"/>
+                    <a:lumOff val="15000"/>
+                  </a:schemeClr>
+                </a:solidFill>
+                <a:effectLst/>
+                <a:latin typeface="+mn-lt"/>
+                <a:ea typeface="+mn-ea"/>
+                <a:cs typeface="+mn-cs"/>
+              </a:defRPr>
+            </a:lvl6pPr>
+            <a:lvl7pPr marL="2971800" indent="-228600" algn="l" defTabSz="457200" rtl="0" eaLnBrk="1" latinLnBrk="0" hangingPunct="1">
+              <a:spcBef>
+                <a:spcPct val="20000"/>
+              </a:spcBef>
+              <a:spcAft>
+                <a:spcPts val="600"/>
+              </a:spcAft>
+              <a:buClr>
+                <a:schemeClr val="accent1"/>
+              </a:buClr>
+              <a:buSzPct val="115000"/>
+              <a:buFont typeface="Arial"/>
+              <a:buChar char="•"/>
+              <a:defRPr sz="1400" kern="1200" cap="none">
+                <a:solidFill>
+                  <a:schemeClr val="tx1">
+                    <a:lumMod val="85000"/>
+                    <a:lumOff val="15000"/>
+                  </a:schemeClr>
+                </a:solidFill>
+                <a:effectLst/>
+                <a:latin typeface="+mn-lt"/>
+                <a:ea typeface="+mn-ea"/>
+                <a:cs typeface="+mn-cs"/>
+              </a:defRPr>
+            </a:lvl7pPr>
+            <a:lvl8pPr marL="3429000" indent="-228600" algn="l" defTabSz="457200" rtl="0" eaLnBrk="1" latinLnBrk="0" hangingPunct="1">
+              <a:spcBef>
+                <a:spcPct val="20000"/>
+              </a:spcBef>
+              <a:spcAft>
+                <a:spcPts val="600"/>
+              </a:spcAft>
+              <a:buClr>
+                <a:schemeClr val="accent1"/>
+              </a:buClr>
+              <a:buSzPct val="115000"/>
+              <a:buFont typeface="Arial"/>
+              <a:buChar char="•"/>
+              <a:defRPr sz="1400" kern="1200" cap="none">
+                <a:solidFill>
+                  <a:schemeClr val="tx1">
+                    <a:lumMod val="85000"/>
+                    <a:lumOff val="15000"/>
+                  </a:schemeClr>
+                </a:solidFill>
+                <a:effectLst/>
+                <a:latin typeface="+mn-lt"/>
+                <a:ea typeface="+mn-ea"/>
+                <a:cs typeface="+mn-cs"/>
+              </a:defRPr>
+            </a:lvl8pPr>
+            <a:lvl9pPr marL="3886200" indent="-228600" algn="l" defTabSz="457200" rtl="0" eaLnBrk="1" latinLnBrk="0" hangingPunct="1">
+              <a:spcBef>
+                <a:spcPct val="20000"/>
+              </a:spcBef>
+              <a:spcAft>
+                <a:spcPts val="600"/>
+              </a:spcAft>
+              <a:buClr>
+                <a:schemeClr val="accent1"/>
+              </a:buClr>
+              <a:buSzPct val="115000"/>
+              <a:buFont typeface="Arial"/>
+              <a:buChar char="•"/>
+              <a:defRPr sz="1400" kern="1200" cap="none">
+                <a:solidFill>
+                  <a:schemeClr val="tx1">
+                    <a:lumMod val="85000"/>
+                    <a:lumOff val="15000"/>
+                  </a:schemeClr>
+                </a:solidFill>
+                <a:effectLst/>
+                <a:latin typeface="+mn-lt"/>
+                <a:ea typeface="+mn-ea"/>
+                <a:cs typeface="+mn-cs"/>
+              </a:defRPr>
+            </a:lvl9pPr>
+          </a:lstStyle>
+          <a:p>
+            <a:pPr marL="0" indent="0">
+              <a:buNone/>
+            </a:pPr>
+            <a:r>
+              <a:rPr lang="en-US" sz="3400" b="1" dirty="0" smtClean="0"/>
+              <a:t>Posterior Probability</a:t>
+            </a:r>
+          </a:p>
+          <a:p>
+            <a:r>
+              <a:rPr lang="en-US" dirty="0" smtClean="0"/>
+              <a:t>Information obtained by updating prior information from an experiment</a:t>
+            </a:r>
+          </a:p>
+          <a:p>
+            <a:r>
+              <a:rPr lang="en-US" dirty="0" smtClean="0"/>
+              <a:t>Is a conditional probability</a:t>
+            </a:r>
+          </a:p>
+          <a:p>
+            <a:r>
+              <a:rPr lang="en-US" dirty="0" smtClean="0"/>
+              <a:t>If event B is event representing the results of some experiment, then:</a:t>
+            </a:r>
+          </a:p>
+          <a:p>
+            <a:pPr lvl="1"/>
+            <a:r>
+              <a:rPr lang="en-US" dirty="0" smtClean="0"/>
+              <a:t>Updated probability of event A is conditional on event B having occurred: </a:t>
+            </a:r>
+            <a:r>
+              <a:rPr lang="en-US" i="1" dirty="0" smtClean="0"/>
+              <a:t>P(A|B)</a:t>
+            </a:r>
+          </a:p>
+          <a:p>
+            <a:pPr lvl="1"/>
+            <a:r>
+              <a:rPr lang="en-US" i="1" dirty="0" smtClean="0"/>
+              <a:t>P(A|B)</a:t>
+            </a:r>
+            <a:r>
+              <a:rPr lang="en-US" dirty="0" smtClean="0"/>
+              <a:t> is the </a:t>
+            </a:r>
+            <a:r>
+              <a:rPr lang="en-US" b="1" dirty="0" smtClean="0"/>
+              <a:t>posterior probability</a:t>
+            </a:r>
+            <a:endParaRPr lang="en-US" dirty="0" smtClean="0"/>
+          </a:p>
+          <a:p>
+            <a:pPr lvl="2"/>
+            <a:endParaRPr lang="en-US" dirty="0"/>
+          </a:p>
+        </p:txBody>
+      </p:sp>
+      <p:sp>
+        <p:nvSpPr>
+          <p:cNvPr id="10" name="Content Placeholder 2"/>
+          <p:cNvSpPr txBox="1">
+            <a:spLocks/>
+          </p:cNvSpPr>
+          <p:nvPr/>
+        </p:nvSpPr>
+        <p:spPr>
+          <a:xfrm>
+            <a:off x="1013498" y="1828800"/>
+            <a:ext cx="5165785" cy="2637781"/>
+          </a:xfrm>
+          <a:prstGeom prst="rect">
+            <a:avLst/>
+          </a:prstGeom>
+          <a:noFill/>
         </p:spPr>
         <p:txBody>
           <a:bodyPr vert="horz" lIns="91440" tIns="45720" rIns="91440" bIns="45720" rtlCol="0" anchor="t">
@@ -4199,391 +4524,963 @@
             </a:lvl9pPr>
           </a:lstStyle>
           <a:p>
+            <a:pPr marL="0" indent="0">
+              <a:buNone/>
+            </a:pPr>
+            <a:r>
+              <a:rPr lang="en-US" sz="2800" b="1" dirty="0"/>
+              <a:t>Prior Probability</a:t>
+            </a:r>
+          </a:p>
+          <a:p>
+            <a:r>
+              <a:rPr lang="en-US" dirty="0"/>
+              <a:t>Information known before an experiment takes place</a:t>
+            </a:r>
+          </a:p>
+          <a:p>
+            <a:r>
+              <a:rPr lang="en-US" dirty="0"/>
+              <a:t>Aka </a:t>
+            </a:r>
+            <a:r>
+              <a:rPr lang="en-US" i="1" dirty="0"/>
+              <a:t>a priori</a:t>
+            </a:r>
+            <a:r>
+              <a:rPr lang="en-US" dirty="0"/>
+              <a:t> probability</a:t>
+            </a:r>
+          </a:p>
+          <a:p>
+            <a:r>
+              <a:rPr lang="en-US" dirty="0"/>
+              <a:t>If inference is desired on some event A, then:</a:t>
+            </a:r>
+          </a:p>
+          <a:p>
+            <a:pPr lvl="1"/>
+            <a:r>
+              <a:rPr lang="en-US" dirty="0"/>
+              <a:t>Probability of event A is </a:t>
+            </a:r>
+            <a:r>
+              <a:rPr lang="en-US" i="1" dirty="0"/>
+              <a:t>P(A)</a:t>
+            </a:r>
+          </a:p>
+          <a:p>
+            <a:pPr lvl="1"/>
+            <a:r>
+              <a:rPr lang="en-US" i="1" dirty="0"/>
+              <a:t>P(A)</a:t>
+            </a:r>
+            <a:r>
+              <a:rPr lang="en-US" dirty="0"/>
+              <a:t> is the </a:t>
+            </a:r>
+            <a:r>
+              <a:rPr lang="en-US" b="1" dirty="0"/>
+              <a:t>prior probability</a:t>
+            </a:r>
+            <a:endParaRPr lang="en-US" i="1" dirty="0"/>
+          </a:p>
+        </p:txBody>
+      </p:sp>
+    </p:spTree>
+    <p:extLst>
+      <p:ext uri="{BB962C8B-B14F-4D97-AF65-F5344CB8AC3E}">
+        <p14:creationId xmlns:p14="http://schemas.microsoft.com/office/powerpoint/2010/main" val="177712085"/>
+      </p:ext>
+    </p:extLst>
+  </p:cSld>
+  <p:clrMapOvr>
+    <a:masterClrMapping/>
+  </p:clrMapOvr>
+  <p:timing>
+    <p:tnLst>
+      <p:par>
+        <p:cTn id="1" dur="indefinite" restart="never" nodeType="tmRoot"/>
+      </p:par>
+    </p:tnLst>
+  </p:timing>
+</p:sld>
+</file>
+
+<file path=ppt/slides/slide3.xml><?xml version="1.0" encoding="utf-8"?>
+<p:sld xmlns:a="http://schemas.openxmlformats.org/drawingml/2006/main" xmlns:r="http://schemas.openxmlformats.org/officeDocument/2006/relationships" xmlns:p="http://schemas.openxmlformats.org/presentationml/2006/main">
+  <p:cSld>
+    <p:spTree>
+      <p:nvGrpSpPr>
+        <p:cNvPr id="1" name=""/>
+        <p:cNvGrpSpPr/>
+        <p:nvPr/>
+      </p:nvGrpSpPr>
+      <p:grpSpPr>
+        <a:xfrm>
+          <a:off x="0" y="0"/>
+          <a:ext cx="0" cy="0"/>
+          <a:chOff x="0" y="0"/>
+          <a:chExt cx="0" cy="0"/>
+        </a:xfrm>
+      </p:grpSpPr>
+      <p:sp>
+        <p:nvSpPr>
+          <p:cNvPr id="2" name="Title 1"/>
+          <p:cNvSpPr>
+            <a:spLocks noGrp="1"/>
+          </p:cNvSpPr>
+          <p:nvPr>
+            <p:ph type="title"/>
+          </p:nvPr>
+        </p:nvSpPr>
+        <p:spPr/>
+        <p:txBody>
+          <a:bodyPr/>
+          <a:lstStyle/>
+          <a:p>
             <a:r>
               <a:rPr lang="en-US" dirty="0" smtClean="0"/>
-              <a:t>Posterior Probability</a:t>
-            </a:r>
-          </a:p>
-          <a:p>
-            <a:pPr lvl="1"/>
-            <a:r>
-              <a:rPr lang="en-US" dirty="0" smtClean="0"/>
-              <a:t>Information obtained by updating prior information from an experiment</a:t>
-            </a:r>
-          </a:p>
-          <a:p>
-            <a:pPr lvl="1"/>
-            <a:r>
-              <a:rPr lang="en-US" dirty="0" smtClean="0"/>
-              <a:t>Is a conditional probability</a:t>
-            </a:r>
-          </a:p>
-          <a:p>
-            <a:pPr lvl="1"/>
-            <a:r>
-              <a:rPr lang="en-US" dirty="0" smtClean="0"/>
-              <a:t>If event B is event representing the results of some experiment, then:</a:t>
-            </a:r>
-          </a:p>
-          <a:p>
-            <a:pPr lvl="2"/>
-            <a:r>
-              <a:rPr lang="en-US" dirty="0" smtClean="0"/>
-              <a:t>Updated probability of event A is conditional on event B having occurred: </a:t>
-            </a:r>
-            <a:r>
-              <a:rPr lang="en-US" i="1" dirty="0" smtClean="0"/>
-              <a:t>P(A|B)</a:t>
-            </a:r>
-          </a:p>
-          <a:p>
-            <a:pPr lvl="2"/>
-            <a:r>
-              <a:rPr lang="en-US" i="1" dirty="0" smtClean="0"/>
-              <a:t>P(A|B)</a:t>
-            </a:r>
-            <a:r>
-              <a:rPr lang="en-US" dirty="0" smtClean="0"/>
-              <a:t> is the </a:t>
-            </a:r>
-            <a:r>
-              <a:rPr lang="en-US" b="1" dirty="0" smtClean="0"/>
-              <a:t>posterior probability</a:t>
-            </a:r>
-            <a:endParaRPr lang="en-US" dirty="0" smtClean="0"/>
-          </a:p>
-          <a:p>
-            <a:pPr lvl="2"/>
+              <a:t>Clarifying the Textbook’s Notation for Probability</a:t>
+            </a:r>
             <a:endParaRPr lang="en-US" dirty="0"/>
           </a:p>
         </p:txBody>
       </p:sp>
       <p:sp>
         <p:nvSpPr>
-          <p:cNvPr id="10" name="Content Placeholder 2"/>
-          <p:cNvSpPr txBox="1">
-            <a:spLocks/>
-          </p:cNvSpPr>
-          <p:nvPr/>
+          <p:cNvPr id="3" name="Content Placeholder 2"/>
+          <p:cNvSpPr>
+            <a:spLocks noGrp="1"/>
+          </p:cNvSpPr>
+          <p:nvPr>
+            <p:ph sz="half" idx="1"/>
+          </p:nvPr>
         </p:nvSpPr>
         <p:spPr>
           <a:xfrm>
-            <a:off x="1013498" y="1828800"/>
-            <a:ext cx="5165785" cy="2637781"/>
+            <a:off x="1097278" y="1845734"/>
+            <a:ext cx="4937760" cy="1458183"/>
+          </a:xfrm>
+        </p:spPr>
+        <p:txBody>
+          <a:bodyPr/>
+          <a:lstStyle/>
+          <a:p>
+            <a:r>
+              <a:rPr lang="en-US" b="1" dirty="0" smtClean="0"/>
+              <a:t>Probability of a Random Variable</a:t>
+            </a:r>
+          </a:p>
+          <a:p>
+            <a:pPr lvl="1"/>
+            <a:r>
+              <a:rPr lang="en-US" dirty="0" smtClean="0"/>
+              <a:t>Consider some random variable </a:t>
+            </a:r>
+            <a:r>
+              <a:rPr lang="en-US" b="1" dirty="0" smtClean="0"/>
+              <a:t>X</a:t>
+            </a:r>
+            <a:endParaRPr lang="en-US" dirty="0"/>
+          </a:p>
+          <a:p>
+            <a:pPr lvl="1"/>
+            <a:r>
+              <a:rPr lang="en-US" dirty="0" smtClean="0"/>
+              <a:t>To speak of the probability of </a:t>
+            </a:r>
+            <a:r>
+              <a:rPr lang="en-US" b="1" dirty="0" smtClean="0"/>
+              <a:t>X</a:t>
+            </a:r>
+            <a:r>
+              <a:rPr lang="en-US" dirty="0" smtClean="0"/>
+              <a:t>, our book would write: </a:t>
+            </a:r>
+            <a:r>
+              <a:rPr lang="en-US" i="1" dirty="0" smtClean="0"/>
+              <a:t>p(</a:t>
+            </a:r>
+            <a:r>
+              <a:rPr lang="en-US" b="1" i="1" dirty="0" smtClean="0"/>
+              <a:t>X</a:t>
+            </a:r>
+            <a:r>
+              <a:rPr lang="en-US" i="1" dirty="0" smtClean="0"/>
+              <a:t>)</a:t>
+            </a:r>
+            <a:endParaRPr lang="en-US" dirty="0" smtClean="0"/>
+          </a:p>
+          <a:p>
+            <a:endParaRPr lang="en-US" b="1" dirty="0" smtClean="0"/>
+          </a:p>
+        </p:txBody>
+      </p:sp>
+      <p:sp>
+        <p:nvSpPr>
+          <p:cNvPr id="4" name="Content Placeholder 3"/>
+          <p:cNvSpPr>
+            <a:spLocks noGrp="1"/>
+          </p:cNvSpPr>
+          <p:nvPr>
+            <p:ph sz="half" idx="2"/>
+          </p:nvPr>
+        </p:nvSpPr>
+        <p:spPr>
+          <a:xfrm>
+            <a:off x="6217920" y="1845736"/>
+            <a:ext cx="4937760" cy="1458182"/>
+          </a:xfrm>
+        </p:spPr>
+        <p:txBody>
+          <a:bodyPr/>
+          <a:lstStyle/>
+          <a:p>
+            <a:r>
+              <a:rPr lang="en-US" b="1" dirty="0" smtClean="0"/>
+              <a:t>Probability of an Event</a:t>
+            </a:r>
+          </a:p>
+          <a:p>
+            <a:pPr lvl="1"/>
+            <a:r>
+              <a:rPr lang="en-US" dirty="0" smtClean="0"/>
+              <a:t>Consider some event</a:t>
+            </a:r>
+            <a:r>
+              <a:rPr lang="en-US" b="1" dirty="0" smtClean="0"/>
+              <a:t> </a:t>
+            </a:r>
+            <a:r>
+              <a:rPr lang="en-US" dirty="0" smtClean="0"/>
+              <a:t>A</a:t>
+            </a:r>
+          </a:p>
+          <a:p>
+            <a:pPr lvl="1"/>
+            <a:r>
+              <a:rPr lang="en-US" dirty="0" smtClean="0"/>
+              <a:t>To speak of the probability of A, our book would write: </a:t>
+            </a:r>
+            <a:r>
+              <a:rPr lang="en-US" i="1" dirty="0" err="1" smtClean="0"/>
+              <a:t>Pr</a:t>
+            </a:r>
+            <a:r>
+              <a:rPr lang="en-US" i="1" dirty="0" smtClean="0"/>
+              <a:t>(A)</a:t>
+            </a:r>
+            <a:endParaRPr lang="en-US" dirty="0" smtClean="0"/>
+          </a:p>
+          <a:p>
+            <a:endParaRPr lang="en-US" b="1" dirty="0"/>
+          </a:p>
+        </p:txBody>
+      </p:sp>
+      <p:pic>
+        <p:nvPicPr>
+          <p:cNvPr id="7" name="Picture 6"/>
+          <p:cNvPicPr>
+            <a:picLocks noChangeAspect="1"/>
+          </p:cNvPicPr>
+          <p:nvPr/>
+        </p:nvPicPr>
+        <p:blipFill rotWithShape="1">
+          <a:blip r:embed="rId2" cstate="print">
+            <a:extLst>
+              <a:ext uri="{28A0092B-C50C-407E-A947-70E740481C1C}">
+                <a14:useLocalDpi xmlns:a14="http://schemas.microsoft.com/office/drawing/2010/main" val="0"/>
+              </a:ext>
+            </a:extLst>
+          </a:blip>
+          <a:srcRect r="10714" b="4392"/>
+          <a:stretch/>
+        </p:blipFill>
+        <p:spPr>
+          <a:xfrm>
+            <a:off x="1431120" y="3303917"/>
+            <a:ext cx="4270075" cy="2950234"/>
           </a:xfrm>
           <a:prstGeom prst="rect">
             <a:avLst/>
           </a:prstGeom>
-          <a:noFill/>
+          <a:ln>
+            <a:solidFill>
+              <a:schemeClr val="tx1"/>
+            </a:solidFill>
+          </a:ln>
         </p:spPr>
-        <p:txBody>
-          <a:bodyPr vert="horz" lIns="91440" tIns="45720" rIns="91440" bIns="45720" rtlCol="0" anchor="t">
-            <a:normAutofit fontScale="92500" lnSpcReduction="20000"/>
-          </a:bodyPr>
-          <a:lstStyle>
-            <a:lvl1pPr marL="285750" indent="-285750" algn="l" defTabSz="457200" rtl="0" eaLnBrk="1" latinLnBrk="0" hangingPunct="1">
-              <a:spcBef>
-                <a:spcPct val="20000"/>
-              </a:spcBef>
-              <a:spcAft>
-                <a:spcPts val="600"/>
-              </a:spcAft>
-              <a:buClr>
-                <a:schemeClr val="accent1"/>
-              </a:buClr>
-              <a:buSzPct val="115000"/>
-              <a:buFont typeface="Arial"/>
-              <a:buChar char="•"/>
-              <a:defRPr sz="2400" kern="1200" cap="none">
-                <a:solidFill>
-                  <a:schemeClr val="tx1">
-                    <a:lumMod val="85000"/>
-                    <a:lumOff val="15000"/>
-                  </a:schemeClr>
-                </a:solidFill>
-                <a:effectLst/>
-                <a:latin typeface="+mn-lt"/>
-                <a:ea typeface="+mn-ea"/>
-                <a:cs typeface="+mn-cs"/>
-              </a:defRPr>
-            </a:lvl1pPr>
-            <a:lvl2pPr marL="742950" indent="-285750" algn="l" defTabSz="457200" rtl="0" eaLnBrk="1" latinLnBrk="0" hangingPunct="1">
-              <a:spcBef>
-                <a:spcPct val="20000"/>
-              </a:spcBef>
-              <a:spcAft>
-                <a:spcPts val="600"/>
-              </a:spcAft>
-              <a:buClr>
-                <a:schemeClr val="accent1"/>
-              </a:buClr>
-              <a:buSzPct val="115000"/>
-              <a:buFont typeface="Arial"/>
-              <a:buChar char="•"/>
-              <a:defRPr sz="2000" kern="1200" cap="none">
-                <a:solidFill>
-                  <a:schemeClr val="tx1">
-                    <a:lumMod val="85000"/>
-                    <a:lumOff val="15000"/>
-                  </a:schemeClr>
-                </a:solidFill>
-                <a:effectLst/>
-                <a:latin typeface="+mn-lt"/>
-                <a:ea typeface="+mn-ea"/>
-                <a:cs typeface="+mn-cs"/>
-              </a:defRPr>
-            </a:lvl2pPr>
-            <a:lvl3pPr marL="1200150" indent="-285750" algn="l" defTabSz="457200" rtl="0" eaLnBrk="1" latinLnBrk="0" hangingPunct="1">
-              <a:spcBef>
-                <a:spcPct val="20000"/>
-              </a:spcBef>
-              <a:spcAft>
-                <a:spcPts val="600"/>
-              </a:spcAft>
-              <a:buClr>
-                <a:schemeClr val="accent1"/>
-              </a:buClr>
-              <a:buSzPct val="115000"/>
-              <a:buFont typeface="Arial"/>
-              <a:buChar char="•"/>
-              <a:defRPr sz="1800" kern="1200" cap="none">
-                <a:solidFill>
-                  <a:schemeClr val="tx1">
-                    <a:lumMod val="85000"/>
-                    <a:lumOff val="15000"/>
-                  </a:schemeClr>
-                </a:solidFill>
-                <a:effectLst/>
-                <a:latin typeface="+mn-lt"/>
-                <a:ea typeface="+mn-ea"/>
-                <a:cs typeface="+mn-cs"/>
-              </a:defRPr>
-            </a:lvl3pPr>
-            <a:lvl4pPr marL="1543050" indent="-171450" algn="l" defTabSz="457200" rtl="0" eaLnBrk="1" latinLnBrk="0" hangingPunct="1">
-              <a:spcBef>
-                <a:spcPct val="20000"/>
-              </a:spcBef>
-              <a:spcAft>
-                <a:spcPts val="600"/>
-              </a:spcAft>
-              <a:buClr>
-                <a:schemeClr val="accent1"/>
-              </a:buClr>
-              <a:buSzPct val="115000"/>
-              <a:buFont typeface="Arial"/>
-              <a:buChar char="•"/>
-              <a:defRPr sz="1600" kern="1200" cap="none">
-                <a:solidFill>
-                  <a:schemeClr val="tx1">
-                    <a:lumMod val="85000"/>
-                    <a:lumOff val="15000"/>
-                  </a:schemeClr>
-                </a:solidFill>
-                <a:effectLst/>
-                <a:latin typeface="+mn-lt"/>
-                <a:ea typeface="+mn-ea"/>
-                <a:cs typeface="+mn-cs"/>
-              </a:defRPr>
-            </a:lvl4pPr>
-            <a:lvl5pPr marL="2000250" indent="-171450" algn="l" defTabSz="457200" rtl="0" eaLnBrk="1" latinLnBrk="0" hangingPunct="1">
-              <a:spcBef>
-                <a:spcPct val="20000"/>
-              </a:spcBef>
-              <a:spcAft>
-                <a:spcPts val="600"/>
-              </a:spcAft>
-              <a:buClr>
-                <a:schemeClr val="accent1"/>
-              </a:buClr>
-              <a:buSzPct val="115000"/>
-              <a:buFont typeface="Arial"/>
-              <a:buChar char="•"/>
-              <a:defRPr sz="1400" kern="1200" cap="none">
-                <a:solidFill>
-                  <a:schemeClr val="tx1">
-                    <a:lumMod val="85000"/>
-                    <a:lumOff val="15000"/>
-                  </a:schemeClr>
-                </a:solidFill>
-                <a:effectLst/>
-                <a:latin typeface="+mn-lt"/>
-                <a:ea typeface="+mn-ea"/>
-                <a:cs typeface="+mn-cs"/>
-              </a:defRPr>
-            </a:lvl5pPr>
-            <a:lvl6pPr marL="2514600" indent="-228600" algn="l" defTabSz="457200" rtl="0" eaLnBrk="1" latinLnBrk="0" hangingPunct="1">
-              <a:spcBef>
-                <a:spcPct val="20000"/>
-              </a:spcBef>
-              <a:spcAft>
-                <a:spcPts val="600"/>
-              </a:spcAft>
-              <a:buClr>
-                <a:schemeClr val="accent1"/>
-              </a:buClr>
-              <a:buSzPct val="115000"/>
-              <a:buFont typeface="Arial"/>
-              <a:buChar char="•"/>
-              <a:defRPr sz="1400" kern="1200" cap="none">
-                <a:solidFill>
-                  <a:schemeClr val="tx1">
-                    <a:lumMod val="85000"/>
-                    <a:lumOff val="15000"/>
-                  </a:schemeClr>
-                </a:solidFill>
-                <a:effectLst/>
-                <a:latin typeface="+mn-lt"/>
-                <a:ea typeface="+mn-ea"/>
-                <a:cs typeface="+mn-cs"/>
-              </a:defRPr>
-            </a:lvl6pPr>
-            <a:lvl7pPr marL="2971800" indent="-228600" algn="l" defTabSz="457200" rtl="0" eaLnBrk="1" latinLnBrk="0" hangingPunct="1">
-              <a:spcBef>
-                <a:spcPct val="20000"/>
-              </a:spcBef>
-              <a:spcAft>
-                <a:spcPts val="600"/>
-              </a:spcAft>
-              <a:buClr>
-                <a:schemeClr val="accent1"/>
-              </a:buClr>
-              <a:buSzPct val="115000"/>
-              <a:buFont typeface="Arial"/>
-              <a:buChar char="•"/>
-              <a:defRPr sz="1400" kern="1200" cap="none">
-                <a:solidFill>
-                  <a:schemeClr val="tx1">
-                    <a:lumMod val="85000"/>
-                    <a:lumOff val="15000"/>
-                  </a:schemeClr>
-                </a:solidFill>
-                <a:effectLst/>
-                <a:latin typeface="+mn-lt"/>
-                <a:ea typeface="+mn-ea"/>
-                <a:cs typeface="+mn-cs"/>
-              </a:defRPr>
-            </a:lvl7pPr>
-            <a:lvl8pPr marL="3429000" indent="-228600" algn="l" defTabSz="457200" rtl="0" eaLnBrk="1" latinLnBrk="0" hangingPunct="1">
-              <a:spcBef>
-                <a:spcPct val="20000"/>
-              </a:spcBef>
-              <a:spcAft>
-                <a:spcPts val="600"/>
-              </a:spcAft>
-              <a:buClr>
-                <a:schemeClr val="accent1"/>
-              </a:buClr>
-              <a:buSzPct val="115000"/>
-              <a:buFont typeface="Arial"/>
-              <a:buChar char="•"/>
-              <a:defRPr sz="1400" kern="1200" cap="none">
-                <a:solidFill>
-                  <a:schemeClr val="tx1">
-                    <a:lumMod val="85000"/>
-                    <a:lumOff val="15000"/>
-                  </a:schemeClr>
-                </a:solidFill>
-                <a:effectLst/>
-                <a:latin typeface="+mn-lt"/>
-                <a:ea typeface="+mn-ea"/>
-                <a:cs typeface="+mn-cs"/>
-              </a:defRPr>
-            </a:lvl8pPr>
-            <a:lvl9pPr marL="3886200" indent="-228600" algn="l" defTabSz="457200" rtl="0" eaLnBrk="1" latinLnBrk="0" hangingPunct="1">
-              <a:spcBef>
-                <a:spcPct val="20000"/>
-              </a:spcBef>
-              <a:spcAft>
-                <a:spcPts val="600"/>
-              </a:spcAft>
-              <a:buClr>
-                <a:schemeClr val="accent1"/>
-              </a:buClr>
-              <a:buSzPct val="115000"/>
-              <a:buFont typeface="Arial"/>
-              <a:buChar char="•"/>
-              <a:defRPr sz="1400" kern="1200" cap="none">
-                <a:solidFill>
-                  <a:schemeClr val="tx1">
-                    <a:lumMod val="85000"/>
-                    <a:lumOff val="15000"/>
-                  </a:schemeClr>
-                </a:solidFill>
-                <a:effectLst/>
-                <a:latin typeface="+mn-lt"/>
-                <a:ea typeface="+mn-ea"/>
-                <a:cs typeface="+mn-cs"/>
-              </a:defRPr>
-            </a:lvl9pPr>
-          </a:lstStyle>
-          <a:p>
-            <a:r>
-              <a:rPr lang="en-US" dirty="0"/>
-              <a:t>Prior Probability</a:t>
-            </a:r>
-          </a:p>
-          <a:p>
-            <a:pPr lvl="1"/>
-            <a:r>
-              <a:rPr lang="en-US" dirty="0"/>
-              <a:t>Information known before an experiment takes place</a:t>
-            </a:r>
-          </a:p>
-          <a:p>
-            <a:pPr lvl="1"/>
-            <a:r>
-              <a:rPr lang="en-US" dirty="0"/>
-              <a:t>Aka </a:t>
-            </a:r>
-            <a:r>
-              <a:rPr lang="en-US" i="1" dirty="0"/>
-              <a:t>a priori</a:t>
-            </a:r>
-            <a:r>
-              <a:rPr lang="en-US" dirty="0"/>
-              <a:t> probability</a:t>
-            </a:r>
-          </a:p>
-          <a:p>
-            <a:pPr lvl="1"/>
-            <a:r>
-              <a:rPr lang="en-US" dirty="0"/>
-              <a:t>If inference is desired on some event A, then:</a:t>
-            </a:r>
-          </a:p>
-          <a:p>
-            <a:pPr lvl="2"/>
-            <a:r>
-              <a:rPr lang="en-US" dirty="0"/>
-              <a:t>Probability of event A is </a:t>
-            </a:r>
-            <a:r>
-              <a:rPr lang="en-US" i="1" dirty="0"/>
-              <a:t>P(A)</a:t>
-            </a:r>
-          </a:p>
-          <a:p>
-            <a:pPr lvl="2"/>
-            <a:r>
-              <a:rPr lang="en-US" i="1" dirty="0"/>
-              <a:t>P(A)</a:t>
-            </a:r>
-            <a:r>
-              <a:rPr lang="en-US" dirty="0"/>
-              <a:t> is the </a:t>
-            </a:r>
-            <a:r>
-              <a:rPr lang="en-US" b="1" dirty="0"/>
-              <a:t>prior probability</a:t>
-            </a:r>
-            <a:endParaRPr lang="en-US" i="1" dirty="0"/>
-          </a:p>
-        </p:txBody>
-      </p:sp>
+      </p:pic>
+      <p:pic>
+        <p:nvPicPr>
+          <p:cNvPr id="8" name="Picture 7"/>
+          <p:cNvPicPr>
+            <a:picLocks noChangeAspect="1"/>
+          </p:cNvPicPr>
+          <p:nvPr/>
+        </p:nvPicPr>
+        <p:blipFill rotWithShape="1">
+          <a:blip r:embed="rId3" cstate="print">
+            <a:extLst>
+              <a:ext uri="{28A0092B-C50C-407E-A947-70E740481C1C}">
+                <a14:useLocalDpi xmlns:a14="http://schemas.microsoft.com/office/drawing/2010/main" val="0"/>
+              </a:ext>
+            </a:extLst>
+          </a:blip>
+          <a:srcRect l="8000" t="4597" r="5639" b="9871"/>
+          <a:stretch/>
+        </p:blipFill>
+        <p:spPr>
+          <a:xfrm>
+            <a:off x="6551763" y="3303917"/>
+            <a:ext cx="4264325" cy="2950234"/>
+          </a:xfrm>
+          <a:prstGeom prst="rect">
+            <a:avLst/>
+          </a:prstGeom>
+          <a:ln>
+            <a:solidFill>
+              <a:schemeClr val="tx1"/>
+            </a:solidFill>
+          </a:ln>
+        </p:spPr>
+      </p:pic>
     </p:spTree>
     <p:extLst>
       <p:ext uri="{BB962C8B-B14F-4D97-AF65-F5344CB8AC3E}">
-        <p14:creationId xmlns:p14="http://schemas.microsoft.com/office/powerpoint/2010/main" val="177712085"/>
+        <p14:creationId xmlns:p14="http://schemas.microsoft.com/office/powerpoint/2010/main" val="1520232649"/>
+      </p:ext>
+    </p:extLst>
+  </p:cSld>
+  <p:clrMapOvr>
+    <a:masterClrMapping/>
+  </p:clrMapOvr>
+  <p:timing>
+    <p:tnLst>
+      <p:par>
+        <p:cTn id="1" dur="indefinite" restart="never" nodeType="tmRoot"/>
+      </p:par>
+    </p:tnLst>
+  </p:timing>
+</p:sld>
+</file>
+
+<file path=ppt/slides/slide4.xml><?xml version="1.0" encoding="utf-8"?>
+<p:sld xmlns:a="http://schemas.openxmlformats.org/drawingml/2006/main" xmlns:r="http://schemas.openxmlformats.org/officeDocument/2006/relationships" xmlns:p="http://schemas.openxmlformats.org/presentationml/2006/main">
+  <p:cSld>
+    <p:spTree>
+      <p:nvGrpSpPr>
+        <p:cNvPr id="1" name=""/>
+        <p:cNvGrpSpPr/>
+        <p:nvPr/>
+      </p:nvGrpSpPr>
+      <p:grpSpPr>
+        <a:xfrm>
+          <a:off x="0" y="0"/>
+          <a:ext cx="0" cy="0"/>
+          <a:chOff x="0" y="0"/>
+          <a:chExt cx="0" cy="0"/>
+        </a:xfrm>
+      </p:grpSpPr>
+      <p:sp>
+        <p:nvSpPr>
+          <p:cNvPr id="2" name="Title 1"/>
+          <p:cNvSpPr>
+            <a:spLocks noGrp="1"/>
+          </p:cNvSpPr>
+          <p:nvPr>
+            <p:ph type="title"/>
+          </p:nvPr>
+        </p:nvSpPr>
+        <p:spPr/>
+        <p:txBody>
+          <a:bodyPr/>
+          <a:lstStyle/>
+          <a:p>
+            <a:r>
+              <a:rPr lang="en-US" dirty="0"/>
+              <a:t>Clarifying the Textbook’s Notation for </a:t>
+            </a:r>
+            <a:r>
+              <a:rPr lang="en-US" dirty="0" smtClean="0"/>
+              <a:t>Probability (Cont.)</a:t>
+            </a:r>
+            <a:endParaRPr lang="en-US" dirty="0"/>
+          </a:p>
+        </p:txBody>
+      </p:sp>
+      <p:sp>
+        <p:nvSpPr>
+          <p:cNvPr id="3" name="Content Placeholder 2"/>
+          <p:cNvSpPr>
+            <a:spLocks noGrp="1"/>
+          </p:cNvSpPr>
+          <p:nvPr>
+            <p:ph idx="1"/>
+          </p:nvPr>
+        </p:nvSpPr>
+        <p:spPr>
+          <a:xfrm>
+            <a:off x="1097280" y="1780116"/>
+            <a:ext cx="10058400" cy="1849965"/>
+          </a:xfrm>
+        </p:spPr>
+        <p:txBody>
+          <a:bodyPr>
+            <a:normAutofit fontScale="92500" lnSpcReduction="20000"/>
+          </a:bodyPr>
+          <a:lstStyle/>
+          <a:p>
+            <a:r>
+              <a:rPr lang="en-US" b="1" dirty="0"/>
+              <a:t>Q: Cool, now why? </a:t>
+            </a:r>
+            <a:r>
+              <a:rPr lang="en-US" dirty="0" smtClean="0"/>
+              <a:t>Although </a:t>
+            </a:r>
+            <a:r>
+              <a:rPr lang="en-US" dirty="0"/>
+              <a:t>seemingly arbitrary, this is done for good reason.</a:t>
+            </a:r>
+          </a:p>
+          <a:p>
+            <a:pPr lvl="1"/>
+            <a:r>
+              <a:rPr lang="en-US" dirty="0"/>
+              <a:t>Random Variable vs Event</a:t>
+            </a:r>
+          </a:p>
+          <a:p>
+            <a:pPr lvl="2"/>
+            <a:r>
+              <a:rPr lang="en-US" dirty="0"/>
+              <a:t>Both objects are very different from each other:</a:t>
+            </a:r>
+          </a:p>
+          <a:p>
+            <a:pPr lvl="3"/>
+            <a:r>
+              <a:rPr lang="en-US" dirty="0"/>
+              <a:t>Random variables are sets </a:t>
+            </a:r>
+            <a:r>
+              <a:rPr lang="en-US" b="1" dirty="0"/>
+              <a:t>containing elements from the real number line</a:t>
+            </a:r>
+            <a:r>
+              <a:rPr lang="en-US" dirty="0"/>
+              <a:t> (</a:t>
+            </a:r>
+            <a:r>
+              <a:rPr lang="en-US" u="sng" dirty="0"/>
+              <a:t>THINK: RVS ARE NUMBERS</a:t>
+            </a:r>
+            <a:r>
+              <a:rPr lang="en-US" dirty="0"/>
+              <a:t>)</a:t>
+            </a:r>
+          </a:p>
+          <a:p>
+            <a:pPr lvl="3"/>
+            <a:r>
+              <a:rPr lang="en-US" dirty="0"/>
+              <a:t>Events are just sets; that is, events are some collection of </a:t>
+            </a:r>
+            <a:r>
+              <a:rPr lang="en-US" i="1" dirty="0"/>
+              <a:t>any</a:t>
+            </a:r>
+            <a:r>
+              <a:rPr lang="en-US" dirty="0"/>
+              <a:t> general thing (</a:t>
+            </a:r>
+            <a:r>
+              <a:rPr lang="en-US" u="sng" dirty="0"/>
+              <a:t>THINK: EVENTS ARE ANYTHING AT ALL</a:t>
+            </a:r>
+            <a:r>
+              <a:rPr lang="en-US" dirty="0" smtClean="0"/>
+              <a:t>)</a:t>
+            </a:r>
+          </a:p>
+          <a:p>
+            <a:pPr lvl="3"/>
+            <a:r>
+              <a:rPr lang="en-US" dirty="0" smtClean="0"/>
+              <a:t>Illustrations of random variables and events are provided on the previous page</a:t>
+            </a:r>
+            <a:endParaRPr lang="en-US" dirty="0"/>
+          </a:p>
+          <a:p>
+            <a:pPr lvl="2"/>
+            <a:r>
+              <a:rPr lang="en-US" dirty="0"/>
+              <a:t>However, they are related: a random variable is simply a mapping of each element of an event to a distinct number in the real number line </a:t>
+            </a:r>
+            <a:r>
+              <a:rPr lang="en-US" sz="1200" dirty="0"/>
+              <a:t>(see figure </a:t>
+            </a:r>
+            <a:r>
+              <a:rPr lang="en-US" sz="1200" dirty="0" smtClean="0"/>
+              <a:t>below for </a:t>
+            </a:r>
+            <a:r>
+              <a:rPr lang="en-US" sz="1200" dirty="0"/>
+              <a:t>more details)</a:t>
+            </a:r>
+            <a:endParaRPr lang="en-US" dirty="0"/>
+          </a:p>
+          <a:p>
+            <a:endParaRPr lang="en-US" dirty="0"/>
+          </a:p>
+        </p:txBody>
+      </p:sp>
+      <p:pic>
+        <p:nvPicPr>
+          <p:cNvPr id="4" name="Picture 3"/>
+          <p:cNvPicPr>
+            <a:picLocks noChangeAspect="1"/>
+          </p:cNvPicPr>
+          <p:nvPr/>
+        </p:nvPicPr>
+        <p:blipFill rotWithShape="1">
+          <a:blip r:embed="rId2" cstate="print">
+            <a:extLst>
+              <a:ext uri="{28A0092B-C50C-407E-A947-70E740481C1C}">
+                <a14:useLocalDpi xmlns:a14="http://schemas.microsoft.com/office/drawing/2010/main" val="0"/>
+              </a:ext>
+            </a:extLst>
+          </a:blip>
+          <a:srcRect t="3003" b="3153"/>
+          <a:stretch/>
+        </p:blipFill>
+        <p:spPr>
+          <a:xfrm>
+            <a:off x="1097280" y="3486149"/>
+            <a:ext cx="10058400" cy="1714501"/>
+          </a:xfrm>
+          <a:prstGeom prst="rect">
+            <a:avLst/>
+          </a:prstGeom>
+          <a:ln>
+            <a:solidFill>
+              <a:schemeClr val="tx1"/>
+            </a:solidFill>
+          </a:ln>
+        </p:spPr>
+      </p:pic>
+      <p:sp>
+        <p:nvSpPr>
+          <p:cNvPr id="5" name="TextBox 4"/>
+          <p:cNvSpPr txBox="1"/>
+          <p:nvPr/>
+        </p:nvSpPr>
+        <p:spPr>
+          <a:xfrm>
+            <a:off x="1097280" y="5200650"/>
+            <a:ext cx="10058400" cy="1046440"/>
+          </a:xfrm>
+          <a:prstGeom prst="rect">
+            <a:avLst/>
+          </a:prstGeom>
+          <a:solidFill>
+            <a:schemeClr val="accent5">
+              <a:lumMod val="20000"/>
+              <a:lumOff val="80000"/>
+            </a:schemeClr>
+          </a:solidFill>
+          <a:ln>
+            <a:solidFill>
+              <a:schemeClr val="tx1"/>
+            </a:solidFill>
+          </a:ln>
+        </p:spPr>
+        <p:txBody>
+          <a:bodyPr wrap="square" rtlCol="0">
+            <a:spAutoFit/>
+          </a:bodyPr>
+          <a:lstStyle/>
+          <a:p>
+            <a:r>
+              <a:rPr lang="en-US" sz="1100" dirty="0" smtClean="0">
+                <a:latin typeface="Arial" panose="020B0604020202020204" pitchFamily="34" charset="0"/>
+                <a:cs typeface="Arial" panose="020B0604020202020204" pitchFamily="34" charset="0"/>
+              </a:rPr>
+              <a:t>The general idea illustrated in the above figure is that the notion of “probability” is a mapping from a </a:t>
+            </a:r>
+            <a:r>
+              <a:rPr lang="en-US" sz="1100" b="1" dirty="0" smtClean="0">
+                <a:latin typeface="Arial" panose="020B0604020202020204" pitchFamily="34" charset="0"/>
+                <a:cs typeface="Arial" panose="020B0604020202020204" pitchFamily="34" charset="0"/>
+              </a:rPr>
+              <a:t>space</a:t>
+            </a:r>
+            <a:r>
+              <a:rPr lang="en-US" sz="1100" dirty="0" smtClean="0">
+                <a:latin typeface="Arial" panose="020B0604020202020204" pitchFamily="34" charset="0"/>
+                <a:cs typeface="Arial" panose="020B0604020202020204" pitchFamily="34" charset="0"/>
+              </a:rPr>
+              <a:t> to some value between 0 and 1; here, </a:t>
+            </a:r>
+            <a:r>
+              <a:rPr lang="en-US" sz="1100" b="1" dirty="0" smtClean="0">
+                <a:latin typeface="Arial" panose="020B0604020202020204" pitchFamily="34" charset="0"/>
+                <a:cs typeface="Arial" panose="020B0604020202020204" pitchFamily="34" charset="0"/>
+              </a:rPr>
+              <a:t>space</a:t>
+            </a:r>
+            <a:r>
+              <a:rPr lang="en-US" sz="1100" dirty="0" smtClean="0">
+                <a:latin typeface="Arial" panose="020B0604020202020204" pitchFamily="34" charset="0"/>
+                <a:cs typeface="Arial" panose="020B0604020202020204" pitchFamily="34" charset="0"/>
+              </a:rPr>
+              <a:t> can refer to either a space of events or a space of random variables. To make use of the concept of random variables, you bifurcate the direct mapping from the space of events to the space of probabilities (which is: </a:t>
+            </a:r>
+            <a:r>
+              <a:rPr lang="en-US" sz="1100" i="1" dirty="0" err="1" smtClean="0">
+                <a:latin typeface="Arial" panose="020B0604020202020204" pitchFamily="34" charset="0"/>
+                <a:cs typeface="Arial" panose="020B0604020202020204" pitchFamily="34" charset="0"/>
+              </a:rPr>
+              <a:t>Pr</a:t>
+            </a:r>
+            <a:r>
+              <a:rPr lang="en-US" sz="1100" dirty="0" smtClean="0">
+                <a:latin typeface="Arial" panose="020B0604020202020204" pitchFamily="34" charset="0"/>
+                <a:cs typeface="Arial" panose="020B0604020202020204" pitchFamily="34" charset="0"/>
+              </a:rPr>
+              <a:t>: A -&gt; [0,1] ) into two mappings: the map </a:t>
+            </a:r>
+            <a:r>
+              <a:rPr lang="en-US" sz="1100" b="1" dirty="0" smtClean="0">
+                <a:latin typeface="Arial" panose="020B0604020202020204" pitchFamily="34" charset="0"/>
+                <a:cs typeface="Arial" panose="020B0604020202020204" pitchFamily="34" charset="0"/>
+              </a:rPr>
+              <a:t>X</a:t>
+            </a:r>
+            <a:r>
+              <a:rPr lang="en-US" sz="1100" i="1" dirty="0" smtClean="0">
+                <a:latin typeface="Arial" panose="020B0604020202020204" pitchFamily="34" charset="0"/>
+                <a:cs typeface="Arial" panose="020B0604020202020204" pitchFamily="34" charset="0"/>
+              </a:rPr>
+              <a:t>: </a:t>
+            </a:r>
+            <a:r>
+              <a:rPr lang="en-US" sz="1100" dirty="0" smtClean="0">
+                <a:latin typeface="Arial" panose="020B0604020202020204" pitchFamily="34" charset="0"/>
+                <a:cs typeface="Arial" panose="020B0604020202020204" pitchFamily="34" charset="0"/>
+              </a:rPr>
+              <a:t>A -&gt; </a:t>
+            </a:r>
+            <a:r>
+              <a:rPr lang="en-US" sz="1100" b="1" dirty="0" smtClean="0">
+                <a:latin typeface="Arial" panose="020B0604020202020204" pitchFamily="34" charset="0"/>
+                <a:cs typeface="Arial" panose="020B0604020202020204" pitchFamily="34" charset="0"/>
+              </a:rPr>
+              <a:t>R</a:t>
+            </a:r>
+            <a:r>
+              <a:rPr lang="en-US" sz="1100" dirty="0" smtClean="0">
+                <a:latin typeface="Arial" panose="020B0604020202020204" pitchFamily="34" charset="0"/>
+                <a:cs typeface="Arial" panose="020B0604020202020204" pitchFamily="34" charset="0"/>
+              </a:rPr>
+              <a:t> (where ‘</a:t>
+            </a:r>
+            <a:r>
+              <a:rPr lang="en-US" sz="1100" b="1" dirty="0" smtClean="0">
+                <a:latin typeface="Arial" panose="020B0604020202020204" pitchFamily="34" charset="0"/>
+                <a:cs typeface="Arial" panose="020B0604020202020204" pitchFamily="34" charset="0"/>
+              </a:rPr>
+              <a:t>R</a:t>
+            </a:r>
+            <a:r>
+              <a:rPr lang="en-US" sz="1100" dirty="0" smtClean="0">
+                <a:latin typeface="Arial" panose="020B0604020202020204" pitchFamily="34" charset="0"/>
+                <a:cs typeface="Arial" panose="020B0604020202020204" pitchFamily="34" charset="0"/>
+              </a:rPr>
+              <a:t>’ is the real number line) and the map </a:t>
+            </a:r>
+            <a:r>
+              <a:rPr lang="en-US" sz="1100" i="1" dirty="0" smtClean="0">
+                <a:latin typeface="Arial" panose="020B0604020202020204" pitchFamily="34" charset="0"/>
+                <a:cs typeface="Arial" panose="020B0604020202020204" pitchFamily="34" charset="0"/>
+              </a:rPr>
+              <a:t>p</a:t>
+            </a:r>
+            <a:r>
+              <a:rPr lang="en-US" sz="1100" dirty="0" smtClean="0">
+                <a:latin typeface="Arial" panose="020B0604020202020204" pitchFamily="34" charset="0"/>
+                <a:cs typeface="Arial" panose="020B0604020202020204" pitchFamily="34" charset="0"/>
+              </a:rPr>
+              <a:t>: </a:t>
+            </a:r>
+            <a:r>
+              <a:rPr lang="en-US" sz="1100" b="1" dirty="0">
+                <a:latin typeface="Arial" panose="020B0604020202020204" pitchFamily="34" charset="0"/>
+                <a:cs typeface="Arial" panose="020B0604020202020204" pitchFamily="34" charset="0"/>
+              </a:rPr>
+              <a:t>R</a:t>
+            </a:r>
+            <a:r>
+              <a:rPr lang="en-US" sz="1100" dirty="0" smtClean="0">
+                <a:latin typeface="Arial" panose="020B0604020202020204" pitchFamily="34" charset="0"/>
+                <a:cs typeface="Arial" panose="020B0604020202020204" pitchFamily="34" charset="0"/>
+              </a:rPr>
+              <a:t> -&gt; [0,1]. Thus, the mapping </a:t>
+            </a:r>
+            <a:r>
+              <a:rPr lang="en-US" sz="1100" i="1" dirty="0" err="1" smtClean="0">
+                <a:latin typeface="Arial" panose="020B0604020202020204" pitchFamily="34" charset="0"/>
+                <a:cs typeface="Arial" panose="020B0604020202020204" pitchFamily="34" charset="0"/>
+              </a:rPr>
+              <a:t>Pr</a:t>
+            </a:r>
+            <a:r>
+              <a:rPr lang="en-US" sz="1100" i="1" dirty="0" smtClean="0">
+                <a:latin typeface="Arial" panose="020B0604020202020204" pitchFamily="34" charset="0"/>
+                <a:cs typeface="Arial" panose="020B0604020202020204" pitchFamily="34" charset="0"/>
+              </a:rPr>
+              <a:t>(A)</a:t>
+            </a:r>
+            <a:r>
+              <a:rPr lang="en-US" sz="1100" i="1" dirty="0">
+                <a:latin typeface="Arial" panose="020B0604020202020204" pitchFamily="34" charset="0"/>
+                <a:cs typeface="Arial" panose="020B0604020202020204" pitchFamily="34" charset="0"/>
+              </a:rPr>
+              <a:t> </a:t>
+            </a:r>
+            <a:r>
+              <a:rPr lang="en-US" sz="1100" i="1" dirty="0" smtClean="0">
+                <a:latin typeface="Arial" panose="020B0604020202020204" pitchFamily="34" charset="0"/>
+                <a:cs typeface="Arial" panose="020B0604020202020204" pitchFamily="34" charset="0"/>
+              </a:rPr>
+              <a:t>= p(</a:t>
+            </a:r>
+            <a:r>
+              <a:rPr lang="en-US" sz="1100" b="1" i="1" dirty="0" smtClean="0">
+                <a:latin typeface="Arial" panose="020B0604020202020204" pitchFamily="34" charset="0"/>
+                <a:cs typeface="Arial" panose="020B0604020202020204" pitchFamily="34" charset="0"/>
+              </a:rPr>
+              <a:t>X</a:t>
+            </a:r>
+            <a:r>
+              <a:rPr lang="en-US" sz="1100" i="1" dirty="0" smtClean="0">
+                <a:latin typeface="Arial" panose="020B0604020202020204" pitchFamily="34" charset="0"/>
+                <a:cs typeface="Arial" panose="020B0604020202020204" pitchFamily="34" charset="0"/>
+              </a:rPr>
+              <a:t>(A)) = </a:t>
+            </a:r>
+            <a:r>
+              <a:rPr lang="en-US" sz="1100" i="1" dirty="0">
+                <a:latin typeface="Arial" panose="020B0604020202020204" pitchFamily="34" charset="0"/>
+                <a:cs typeface="Arial" panose="020B0604020202020204" pitchFamily="34" charset="0"/>
+              </a:rPr>
+              <a:t>(</a:t>
+            </a:r>
+            <a:r>
+              <a:rPr lang="en-US" sz="1100" i="1" dirty="0" err="1">
+                <a:latin typeface="Arial" panose="020B0604020202020204" pitchFamily="34" charset="0"/>
+                <a:cs typeface="Arial" panose="020B0604020202020204" pitchFamily="34" charset="0"/>
+              </a:rPr>
+              <a:t>p</a:t>
+            </a:r>
+            <a:r>
+              <a:rPr lang="en-US" sz="1100" i="1" dirty="0" err="1" smtClean="0">
+                <a:latin typeface="Arial" panose="020B0604020202020204" pitchFamily="34" charset="0"/>
+                <a:cs typeface="Arial" panose="020B0604020202020204" pitchFamily="34" charset="0"/>
+              </a:rPr>
+              <a:t>∘</a:t>
+            </a:r>
+            <a:r>
+              <a:rPr lang="en-US" sz="1100" b="1" i="1" dirty="0" err="1" smtClean="0">
+                <a:latin typeface="Arial" panose="020B0604020202020204" pitchFamily="34" charset="0"/>
+                <a:cs typeface="Arial" panose="020B0604020202020204" pitchFamily="34" charset="0"/>
+              </a:rPr>
+              <a:t>X</a:t>
+            </a:r>
+            <a:r>
+              <a:rPr lang="en-US" sz="1100" i="1" dirty="0" smtClean="0">
+                <a:latin typeface="Arial" panose="020B0604020202020204" pitchFamily="34" charset="0"/>
+                <a:cs typeface="Arial" panose="020B0604020202020204" pitchFamily="34" charset="0"/>
+              </a:rPr>
+              <a:t>)(A</a:t>
+            </a:r>
+            <a:r>
+              <a:rPr lang="en-US" sz="1100" dirty="0" smtClean="0">
+                <a:latin typeface="Arial" panose="020B0604020202020204" pitchFamily="34" charset="0"/>
+                <a:cs typeface="Arial" panose="020B0604020202020204" pitchFamily="34" charset="0"/>
+              </a:rPr>
+              <a:t>), where </a:t>
+            </a:r>
+            <a:r>
+              <a:rPr lang="en-US" sz="1100" i="1" dirty="0">
+                <a:latin typeface="Arial" panose="020B0604020202020204" pitchFamily="34" charset="0"/>
+                <a:cs typeface="Arial" panose="020B0604020202020204" pitchFamily="34" charset="0"/>
+              </a:rPr>
+              <a:t>(</a:t>
+            </a:r>
+            <a:r>
+              <a:rPr lang="en-US" sz="1100" i="1" dirty="0" err="1">
+                <a:latin typeface="Arial" panose="020B0604020202020204" pitchFamily="34" charset="0"/>
+                <a:cs typeface="Arial" panose="020B0604020202020204" pitchFamily="34" charset="0"/>
+              </a:rPr>
+              <a:t>p</a:t>
+            </a:r>
+            <a:r>
+              <a:rPr lang="en-US" sz="1100" i="1" dirty="0" err="1" smtClean="0">
+                <a:latin typeface="Arial" panose="020B0604020202020204" pitchFamily="34" charset="0"/>
+                <a:cs typeface="Arial" panose="020B0604020202020204" pitchFamily="34" charset="0"/>
+              </a:rPr>
+              <a:t>∘</a:t>
+            </a:r>
+            <a:r>
+              <a:rPr lang="en-US" sz="1100" b="1" i="1" dirty="0" err="1" smtClean="0">
+                <a:latin typeface="Arial" panose="020B0604020202020204" pitchFamily="34" charset="0"/>
+                <a:cs typeface="Arial" panose="020B0604020202020204" pitchFamily="34" charset="0"/>
+              </a:rPr>
+              <a:t>X</a:t>
+            </a:r>
+            <a:r>
+              <a:rPr lang="en-US" sz="1100" i="1" dirty="0" smtClean="0">
+                <a:latin typeface="Arial" panose="020B0604020202020204" pitchFamily="34" charset="0"/>
+                <a:cs typeface="Arial" panose="020B0604020202020204" pitchFamily="34" charset="0"/>
+              </a:rPr>
+              <a:t>)</a:t>
+            </a:r>
+            <a:r>
+              <a:rPr lang="en-US" sz="1100" dirty="0" smtClean="0">
+                <a:latin typeface="Arial" panose="020B0604020202020204" pitchFamily="34" charset="0"/>
+                <a:cs typeface="Arial" panose="020B0604020202020204" pitchFamily="34" charset="0"/>
+              </a:rPr>
+              <a:t>: A -&gt; [0,1]</a:t>
+            </a:r>
+            <a:r>
+              <a:rPr lang="en-US" sz="1100" b="1" dirty="0" smtClean="0">
+                <a:latin typeface="Arial" panose="020B0604020202020204" pitchFamily="34" charset="0"/>
+                <a:cs typeface="Arial" panose="020B0604020202020204" pitchFamily="34" charset="0"/>
+              </a:rPr>
+              <a:t>.</a:t>
+            </a:r>
+          </a:p>
+          <a:p>
+            <a:r>
+              <a:rPr lang="en-US" sz="900" dirty="0" smtClean="0">
+                <a:latin typeface="Arial" panose="020B0604020202020204" pitchFamily="34" charset="0"/>
+                <a:cs typeface="Arial" panose="020B0604020202020204" pitchFamily="34" charset="0"/>
+              </a:rPr>
+              <a:t>*NOTE: The above notation does </a:t>
+            </a:r>
+            <a:r>
+              <a:rPr lang="en-US" sz="900" b="1" i="1" u="sng" dirty="0" smtClean="0">
+                <a:latin typeface="Arial" panose="020B0604020202020204" pitchFamily="34" charset="0"/>
+                <a:cs typeface="Arial" panose="020B0604020202020204" pitchFamily="34" charset="0"/>
+              </a:rPr>
+              <a:t>not</a:t>
+            </a:r>
+            <a:r>
+              <a:rPr lang="en-US" sz="900" dirty="0" smtClean="0">
+                <a:latin typeface="Arial" panose="020B0604020202020204" pitchFamily="34" charset="0"/>
+                <a:cs typeface="Arial" panose="020B0604020202020204" pitchFamily="34" charset="0"/>
+              </a:rPr>
+              <a:t> use the R-INLA textbook’s conventions of </a:t>
+            </a:r>
+            <a:r>
+              <a:rPr lang="en-US" sz="900" i="1" dirty="0" smtClean="0">
+                <a:latin typeface="Arial" panose="020B0604020202020204" pitchFamily="34" charset="0"/>
+                <a:cs typeface="Arial" panose="020B0604020202020204" pitchFamily="34" charset="0"/>
+              </a:rPr>
+              <a:t>p </a:t>
+            </a:r>
+            <a:r>
+              <a:rPr lang="en-US" sz="900" dirty="0" smtClean="0">
+                <a:latin typeface="Arial" panose="020B0604020202020204" pitchFamily="34" charset="0"/>
+                <a:cs typeface="Arial" panose="020B0604020202020204" pitchFamily="34" charset="0"/>
+              </a:rPr>
+              <a:t>versus </a:t>
+            </a:r>
+            <a:r>
+              <a:rPr lang="en-US" sz="900" i="1" dirty="0" err="1" smtClean="0">
+                <a:latin typeface="Arial" panose="020B0604020202020204" pitchFamily="34" charset="0"/>
+                <a:cs typeface="Arial" panose="020B0604020202020204" pitchFamily="34" charset="0"/>
+              </a:rPr>
+              <a:t>Pr</a:t>
+            </a:r>
+            <a:r>
+              <a:rPr lang="en-US" sz="900" dirty="0" smtClean="0">
+                <a:latin typeface="Arial" panose="020B0604020202020204" pitchFamily="34" charset="0"/>
+                <a:cs typeface="Arial" panose="020B0604020202020204" pitchFamily="34" charset="0"/>
+              </a:rPr>
+              <a:t>, as it was written by me for use in a different statistics class. However, all ‘P’s and ‘</a:t>
+            </a:r>
+            <a:r>
+              <a:rPr lang="el-GR" sz="900" dirty="0" smtClean="0">
+                <a:latin typeface="Arial" panose="020B0604020202020204" pitchFamily="34" charset="0"/>
+                <a:cs typeface="Arial" panose="020B0604020202020204" pitchFamily="34" charset="0"/>
+              </a:rPr>
+              <a:t>ρ</a:t>
+            </a:r>
+            <a:r>
+              <a:rPr lang="en-US" sz="900" dirty="0" smtClean="0">
+                <a:latin typeface="Arial" panose="020B0604020202020204" pitchFamily="34" charset="0"/>
+                <a:cs typeface="Arial" panose="020B0604020202020204" pitchFamily="34" charset="0"/>
+              </a:rPr>
+              <a:t>’s with the subscript X above would be written as </a:t>
+            </a:r>
+            <a:r>
+              <a:rPr lang="en-US" sz="900" i="1" dirty="0">
+                <a:latin typeface="Arial" panose="020B0604020202020204" pitchFamily="34" charset="0"/>
+                <a:cs typeface="Arial" panose="020B0604020202020204" pitchFamily="34" charset="0"/>
+              </a:rPr>
+              <a:t>p</a:t>
+            </a:r>
+            <a:r>
+              <a:rPr lang="en-US" sz="900" i="1" dirty="0" smtClean="0">
+                <a:latin typeface="Arial" panose="020B0604020202020204" pitchFamily="34" charset="0"/>
+                <a:cs typeface="Arial" panose="020B0604020202020204" pitchFamily="34" charset="0"/>
+              </a:rPr>
+              <a:t>(•)</a:t>
+            </a:r>
+            <a:r>
+              <a:rPr lang="en-US" sz="900" dirty="0" smtClean="0">
+                <a:latin typeface="Arial" panose="020B0604020202020204" pitchFamily="34" charset="0"/>
+                <a:cs typeface="Arial" panose="020B0604020202020204" pitchFamily="34" charset="0"/>
+              </a:rPr>
+              <a:t> in the INLA textbook’s notation; the ‘P’s above sans subscript would correspond to </a:t>
+            </a:r>
+            <a:r>
+              <a:rPr lang="en-US" sz="900" i="1" dirty="0" err="1" smtClean="0">
+                <a:latin typeface="Arial" panose="020B0604020202020204" pitchFamily="34" charset="0"/>
+                <a:cs typeface="Arial" panose="020B0604020202020204" pitchFamily="34" charset="0"/>
+              </a:rPr>
+              <a:t>Pr</a:t>
+            </a:r>
+            <a:r>
+              <a:rPr lang="en-US" sz="900" i="1" dirty="0" smtClean="0">
+                <a:latin typeface="Arial" panose="020B0604020202020204" pitchFamily="34" charset="0"/>
+                <a:cs typeface="Arial" panose="020B0604020202020204" pitchFamily="34" charset="0"/>
+              </a:rPr>
+              <a:t>(•)</a:t>
+            </a:r>
+            <a:r>
+              <a:rPr lang="en-US" sz="900" dirty="0" smtClean="0">
+                <a:latin typeface="Arial" panose="020B0604020202020204" pitchFamily="34" charset="0"/>
+                <a:cs typeface="Arial" panose="020B0604020202020204" pitchFamily="34" charset="0"/>
+              </a:rPr>
+              <a:t> in the INLA textbook’s notation.</a:t>
+            </a:r>
+            <a:endParaRPr lang="en-US" sz="900" dirty="0">
+              <a:latin typeface="Arial" panose="020B0604020202020204" pitchFamily="34" charset="0"/>
+              <a:cs typeface="Arial" panose="020B0604020202020204" pitchFamily="34" charset="0"/>
+            </a:endParaRPr>
+          </a:p>
+        </p:txBody>
+      </p:sp>
+    </p:spTree>
+    <p:extLst>
+      <p:ext uri="{BB962C8B-B14F-4D97-AF65-F5344CB8AC3E}">
+        <p14:creationId xmlns:p14="http://schemas.microsoft.com/office/powerpoint/2010/main" val="1296122831"/>
       </p:ext>
     </p:extLst>
   </p:cSld>
